--- a/UTS/UTS_Zulfahmi Trimahardika_07TPLE007_TESTING DAN QA PERANGKAT LUNAK.pptx
+++ b/UTS/UTS_Zulfahmi Trimahardika_07TPLE007_TESTING DAN QA PERANGKAT LUNAK.pptx
@@ -64,7 +64,7 @@
       <p:italic r:id="rId38"/>
     </p:embeddedFont>
     <p:embeddedFont>
-      <p:font typeface="Raleway" pitchFamily="2" charset="0"/>
+      <p:font typeface="Raleway" panose="020B0503030101060003" pitchFamily="34" charset="0"/>
       <p:regular r:id="rId39"/>
       <p:bold r:id="rId40"/>
       <p:italic r:id="rId41"/>
@@ -22193,13 +22193,13 @@
   <p:clrMapOvr>
     <a:masterClrMapping/>
   </p:clrMapOvr>
-  <mc:AlternateContent xmlns:mc="http://schemas.openxmlformats.org/markup-compatibility/2006">
-    <mc:Choice xmlns:p14="http://schemas.microsoft.com/office/powerpoint/2010/main" Requires="p14">
+  <mc:AlternateContent xmlns:mc="http://schemas.openxmlformats.org/markup-compatibility/2006" xmlns:p14="http://schemas.microsoft.com/office/powerpoint/2010/main">
+    <mc:Choice Requires="p14">
       <p:transition spd="slow">
         <p14:flash/>
       </p:transition>
     </mc:Choice>
-    <mc:Fallback>
+    <mc:Fallback xmlns="">
       <p:transition spd="slow">
         <p:fade/>
       </p:transition>
@@ -30063,10 +30063,16 @@
               <a:t> </a:t>
             </a:r>
             <a:r>
+              <a:rPr lang="en-ID" sz="1200" b="1" dirty="0">
+                <a:latin typeface="Barlow" panose="00000500000000000000" pitchFamily="2" charset="0"/>
+              </a:rPr>
+              <a:t>ci-</a:t>
+            </a:r>
+            <a:r>
               <a:rPr lang="en-ID" sz="1200" b="1" dirty="0" err="1">
                 <a:latin typeface="Barlow" panose="00000500000000000000" pitchFamily="2" charset="0"/>
               </a:rPr>
-              <a:t>ci_cd.yml</a:t>
+              <a:t>cd.yml</a:t>
             </a:r>
             <a:r>
               <a:rPr lang="en-ID" sz="1200" dirty="0">
@@ -30175,7 +30181,7 @@
                 <a:latin typeface="Barlow" panose="00000500000000000000" pitchFamily="2" charset="0"/>
                 <a:hlinkClick r:id="rId3"/>
               </a:rPr>
-              <a:t>https://github.com/zumitrim/Testing-QA/blob/main/.github/workflows/ci-cd.yaml</a:t>
+              <a:t>https://github.com/zumitrim/Testing-QA/blob/main/.github/workflows/ci-cd.yml</a:t>
             </a:r>
             <a:r>
               <a:rPr lang="en-ID" sz="1200" b="1" dirty="0">
@@ -30440,51 +30446,6 @@
                 <a:latin typeface="Barlow" panose="00000500000000000000" pitchFamily="2" charset="0"/>
               </a:rPr>
               <a:t> GitHub Anda.</a:t>
-            </a:r>
-          </a:p>
-          <a:p>
-            <a:pPr marL="171450" lvl="0" indent="-171450" algn="l" rtl="0">
-              <a:spcBef>
-                <a:spcPts val="0"/>
-              </a:spcBef>
-              <a:spcAft>
-                <a:spcPts val="0"/>
-              </a:spcAft>
-              <a:buFont typeface="Arial" panose="020B0604020202020204" pitchFamily="34" charset="0"/>
-              <a:buChar char="•"/>
-            </a:pPr>
-            <a:endParaRPr lang="en-ID" sz="1200" dirty="0">
-              <a:latin typeface="Barlow" panose="00000500000000000000" pitchFamily="2" charset="0"/>
-            </a:endParaRPr>
-          </a:p>
-          <a:p>
-            <a:pPr marL="171450" lvl="0" indent="-171450" algn="l" rtl="0">
-              <a:spcBef>
-                <a:spcPts val="0"/>
-              </a:spcBef>
-              <a:spcAft>
-                <a:spcPts val="0"/>
-              </a:spcAft>
-              <a:buFont typeface="Arial" panose="020B0604020202020204" pitchFamily="34" charset="0"/>
-              <a:buChar char="•"/>
-            </a:pPr>
-            <a:r>
-              <a:rPr lang="en-ID" sz="1200" dirty="0">
-                <a:latin typeface="Barlow" panose="00000500000000000000" pitchFamily="2" charset="0"/>
-              </a:rPr>
-              <a:t>Buka </a:t>
-            </a:r>
-            <a:r>
-              <a:rPr lang="en-ID" sz="1200" dirty="0" err="1">
-                <a:latin typeface="Barlow" panose="00000500000000000000" pitchFamily="2" charset="0"/>
-              </a:rPr>
-              <a:t>repositori</a:t>
-            </a:r>
-            <a:r>
-              <a:rPr lang="en-ID" sz="1200" dirty="0">
-                <a:latin typeface="Barlow" panose="00000500000000000000" pitchFamily="2" charset="0"/>
-              </a:rPr>
-              <a:t> GitHub Anda di browser.</a:t>
             </a:r>
           </a:p>
         </p:txBody>
@@ -32285,13 +32246,13 @@
   <p:clrMapOvr>
     <a:masterClrMapping/>
   </p:clrMapOvr>
-  <mc:AlternateContent xmlns:mc="http://schemas.openxmlformats.org/markup-compatibility/2006">
-    <mc:Choice xmlns:p14="http://schemas.microsoft.com/office/powerpoint/2010/main" Requires="p14">
+  <mc:AlternateContent xmlns:mc="http://schemas.openxmlformats.org/markup-compatibility/2006" xmlns:p14="http://schemas.microsoft.com/office/powerpoint/2010/main">
+    <mc:Choice Requires="p14">
       <p:transition spd="med" p14:dur="700">
         <p:fade/>
       </p:transition>
     </mc:Choice>
-    <mc:Fallback>
+    <mc:Fallback xmlns="">
       <p:transition spd="med">
         <p:fade/>
       </p:transition>
